--- a/Praesentation.pptx
+++ b/Praesentation.pptx
@@ -4822,12 +4822,12 @@
       </p:grpSpPr>
       <p:sp>
         <p:nvSpPr>
-          <p:cNvPr id="2" name="Inhaltsplatzhalter 1"/>
-          <p:cNvSpPr>
-            <a:spLocks noGrp="1"/>
-          </p:cNvSpPr>
-          <p:nvPr>
-            <p:ph idx="1"/>
+          <p:cNvPr id="3" name="Titel 2"/>
+          <p:cNvSpPr>
+            <a:spLocks noGrp="1"/>
+          </p:cNvSpPr>
+          <p:nvPr>
+            <p:ph type="title"/>
           </p:nvPr>
         </p:nvSpPr>
         <p:spPr/>
@@ -4835,25 +4835,6 @@
           <a:bodyPr/>
           <a:lstStyle/>
           <a:p>
-            <a:endParaRPr lang="de-CH"/>
-          </a:p>
-        </p:txBody>
-      </p:sp>
-      <p:sp>
-        <p:nvSpPr>
-          <p:cNvPr id="3" name="Titel 2"/>
-          <p:cNvSpPr>
-            <a:spLocks noGrp="1"/>
-          </p:cNvSpPr>
-          <p:nvPr>
-            <p:ph type="title"/>
-          </p:nvPr>
-        </p:nvSpPr>
-        <p:spPr/>
-        <p:txBody>
-          <a:bodyPr/>
-          <a:lstStyle/>
-          <a:p>
             <a:r>
               <a:rPr lang="de-CH" dirty="0" smtClean="0"/>
               <a:t>Idee</a:t>
@@ -4862,6 +4843,176 @@
           </a:p>
         </p:txBody>
       </p:sp>
+      <p:pic>
+        <p:nvPicPr>
+          <p:cNvPr id="1026" name="Picture 2"/>
+          <p:cNvPicPr>
+            <a:picLocks noChangeAspect="1" noChangeArrowheads="1"/>
+          </p:cNvPicPr>
+          <p:nvPr/>
+        </p:nvPicPr>
+        <p:blipFill>
+          <a:blip r:embed="rId2">
+            <a:extLst>
+              <a:ext uri="{28A0092B-C50C-407E-A947-70E740481C1C}">
+                <a14:useLocalDpi xmlns:a14="http://schemas.microsoft.com/office/drawing/2010/main" val="0"/>
+              </a:ext>
+            </a:extLst>
+          </a:blip>
+          <a:srcRect/>
+          <a:stretch>
+            <a:fillRect/>
+          </a:stretch>
+        </p:blipFill>
+        <p:spPr bwMode="auto">
+          <a:xfrm>
+            <a:off x="5436096" y="2564904"/>
+            <a:ext cx="3124200" cy="1638300"/>
+          </a:xfrm>
+          <a:prstGeom prst="rect">
+            <a:avLst/>
+          </a:prstGeom>
+          <a:noFill/>
+          <a:ln>
+            <a:noFill/>
+          </a:ln>
+          <a:extLst>
+            <a:ext uri="{909E8E84-426E-40DD-AFC4-6F175D3DCCD1}">
+              <a14:hiddenFill xmlns:a14="http://schemas.microsoft.com/office/drawing/2010/main">
+                <a:solidFill>
+                  <a:schemeClr val="accent1"/>
+                </a:solidFill>
+              </a14:hiddenFill>
+            </a:ext>
+            <a:ext uri="{91240B29-F687-4F45-9708-019B960494DF}">
+              <a14:hiddenLine xmlns:a14="http://schemas.microsoft.com/office/drawing/2010/main" w="9525">
+                <a:solidFill>
+                  <a:schemeClr val="tx1"/>
+                </a:solidFill>
+                <a:miter lim="800000"/>
+                <a:headEnd/>
+                <a:tailEnd/>
+              </a14:hiddenLine>
+            </a:ext>
+          </a:extLst>
+        </p:spPr>
+      </p:pic>
+      <p:pic>
+        <p:nvPicPr>
+          <p:cNvPr id="1027" name="Picture 3"/>
+          <p:cNvPicPr>
+            <a:picLocks noChangeAspect="1" noChangeArrowheads="1"/>
+          </p:cNvPicPr>
+          <p:nvPr/>
+        </p:nvPicPr>
+        <p:blipFill>
+          <a:blip r:embed="rId3">
+            <a:extLst>
+              <a:ext uri="{28A0092B-C50C-407E-A947-70E740481C1C}">
+                <a14:useLocalDpi xmlns:a14="http://schemas.microsoft.com/office/drawing/2010/main" val="0"/>
+              </a:ext>
+            </a:extLst>
+          </a:blip>
+          <a:srcRect/>
+          <a:stretch>
+            <a:fillRect/>
+          </a:stretch>
+        </p:blipFill>
+        <p:spPr bwMode="auto">
+          <a:xfrm>
+            <a:off x="395536" y="1523483"/>
+            <a:ext cx="4316114" cy="3993749"/>
+          </a:xfrm>
+          <a:prstGeom prst="rect">
+            <a:avLst/>
+          </a:prstGeom>
+          <a:noFill/>
+          <a:ln>
+            <a:noFill/>
+          </a:ln>
+          <a:extLst>
+            <a:ext uri="{909E8E84-426E-40DD-AFC4-6F175D3DCCD1}">
+              <a14:hiddenFill xmlns:a14="http://schemas.microsoft.com/office/drawing/2010/main">
+                <a:solidFill>
+                  <a:schemeClr val="accent1"/>
+                </a:solidFill>
+              </a14:hiddenFill>
+            </a:ext>
+            <a:ext uri="{91240B29-F687-4F45-9708-019B960494DF}">
+              <a14:hiddenLine xmlns:a14="http://schemas.microsoft.com/office/drawing/2010/main" w="9525">
+                <a:solidFill>
+                  <a:schemeClr val="tx1"/>
+                </a:solidFill>
+                <a:miter lim="800000"/>
+                <a:headEnd/>
+                <a:tailEnd/>
+              </a14:hiddenLine>
+            </a:ext>
+          </a:extLst>
+        </p:spPr>
+      </p:pic>
+      <p:pic>
+        <p:nvPicPr>
+          <p:cNvPr id="1028" name="Picture 4"/>
+          <p:cNvPicPr>
+            <a:picLocks noChangeAspect="1" noChangeArrowheads="1"/>
+          </p:cNvPicPr>
+          <p:nvPr/>
+        </p:nvPicPr>
+        <p:blipFill rotWithShape="1">
+          <a:blip r:embed="rId4">
+            <a:clrChange>
+              <a:clrFrom>
+                <a:srgbClr val="7E7E7E"/>
+              </a:clrFrom>
+              <a:clrTo>
+                <a:srgbClr val="7E7E7E">
+                  <a:alpha val="0"/>
+                </a:srgbClr>
+              </a:clrTo>
+            </a:clrChange>
+            <a:extLst>
+              <a:ext uri="{28A0092B-C50C-407E-A947-70E740481C1C}">
+                <a14:useLocalDpi xmlns:a14="http://schemas.microsoft.com/office/drawing/2010/main" val="0"/>
+              </a:ext>
+            </a:extLst>
+          </a:blip>
+          <a:srcRect l="4585" t="3011" r="5080" b="1966"/>
+          <a:stretch/>
+        </p:blipFill>
+        <p:spPr bwMode="auto">
+          <a:xfrm>
+            <a:off x="5292080" y="382046"/>
+            <a:ext cx="3386668" cy="6276622"/>
+          </a:xfrm>
+          <a:prstGeom prst="rect">
+            <a:avLst/>
+          </a:prstGeom>
+          <a:noFill/>
+          <a:ln>
+            <a:noFill/>
+          </a:ln>
+          <a:extLst>
+            <a:ext uri="{909E8E84-426E-40DD-AFC4-6F175D3DCCD1}">
+              <a14:hiddenFill xmlns:a14="http://schemas.microsoft.com/office/drawing/2010/main">
+                <a:solidFill>
+                  <a:schemeClr val="accent1"/>
+                </a:solidFill>
+              </a14:hiddenFill>
+            </a:ext>
+            <a:ext uri="{91240B29-F687-4F45-9708-019B960494DF}">
+              <a14:hiddenLine xmlns:a14="http://schemas.microsoft.com/office/drawing/2010/main" w="9525">
+                <a:solidFill>
+                  <a:schemeClr val="tx1"/>
+                </a:solidFill>
+                <a:miter lim="800000"/>
+                <a:headEnd/>
+                <a:tailEnd/>
+              </a14:hiddenLine>
+            </a:ext>
+          </a:extLst>
+        </p:spPr>
+      </p:pic>
     </p:spTree>
     <p:extLst>
       <p:ext uri="{BB962C8B-B14F-4D97-AF65-F5344CB8AC3E}">
@@ -4875,7 +5026,136 @@
   <p:timing>
     <p:tnLst>
       <p:par>
-        <p:cTn id="1" dur="indefinite" restart="never" nodeType="tmRoot"/>
+        <p:cTn id="1" dur="indefinite" restart="never" nodeType="tmRoot">
+          <p:childTnLst>
+            <p:seq concurrent="1" nextAc="seek">
+              <p:cTn id="2" dur="indefinite" nodeType="mainSeq">
+                <p:childTnLst>
+                  <p:par>
+                    <p:cTn id="3" fill="hold">
+                      <p:stCondLst>
+                        <p:cond delay="indefinite"/>
+                      </p:stCondLst>
+                      <p:childTnLst>
+                        <p:par>
+                          <p:cTn id="4" fill="hold">
+                            <p:stCondLst>
+                              <p:cond delay="0"/>
+                            </p:stCondLst>
+                            <p:childTnLst>
+                              <p:par>
+                                <p:cTn id="5" presetID="22" presetClass="entr" presetSubtype="4" fill="hold" nodeType="clickEffect">
+                                  <p:stCondLst>
+                                    <p:cond delay="0"/>
+                                  </p:stCondLst>
+                                  <p:childTnLst>
+                                    <p:set>
+                                      <p:cBhvr>
+                                        <p:cTn id="6" dur="1" fill="hold">
+                                          <p:stCondLst>
+                                            <p:cond delay="0"/>
+                                          </p:stCondLst>
+                                        </p:cTn>
+                                        <p:tgtEl>
+                                          <p:spTgt spid="1026"/>
+                                        </p:tgtEl>
+                                        <p:attrNameLst>
+                                          <p:attrName>style.visibility</p:attrName>
+                                        </p:attrNameLst>
+                                      </p:cBhvr>
+                                      <p:to>
+                                        <p:strVal val="visible"/>
+                                      </p:to>
+                                    </p:set>
+                                    <p:animEffect transition="in" filter="wipe(down)">
+                                      <p:cBhvr>
+                                        <p:cTn id="7" dur="500"/>
+                                        <p:tgtEl>
+                                          <p:spTgt spid="1026"/>
+                                        </p:tgtEl>
+                                      </p:cBhvr>
+                                    </p:animEffect>
+                                  </p:childTnLst>
+                                </p:cTn>
+                              </p:par>
+                            </p:childTnLst>
+                          </p:cTn>
+                        </p:par>
+                      </p:childTnLst>
+                    </p:cTn>
+                  </p:par>
+                  <p:par>
+                    <p:cTn id="8" fill="hold">
+                      <p:stCondLst>
+                        <p:cond delay="indefinite"/>
+                      </p:stCondLst>
+                      <p:childTnLst>
+                        <p:par>
+                          <p:cTn id="9" fill="hold">
+                            <p:stCondLst>
+                              <p:cond delay="0"/>
+                            </p:stCondLst>
+                            <p:childTnLst>
+                              <p:par>
+                                <p:cTn id="10" presetID="10" presetClass="entr" presetSubtype="0" fill="hold" nodeType="clickEffect">
+                                  <p:stCondLst>
+                                    <p:cond delay="0"/>
+                                  </p:stCondLst>
+                                  <p:childTnLst>
+                                    <p:set>
+                                      <p:cBhvr>
+                                        <p:cTn id="11" dur="1" fill="hold">
+                                          <p:stCondLst>
+                                            <p:cond delay="0"/>
+                                          </p:stCondLst>
+                                        </p:cTn>
+                                        <p:tgtEl>
+                                          <p:spTgt spid="1028"/>
+                                        </p:tgtEl>
+                                        <p:attrNameLst>
+                                          <p:attrName>style.visibility</p:attrName>
+                                        </p:attrNameLst>
+                                      </p:cBhvr>
+                                      <p:to>
+                                        <p:strVal val="visible"/>
+                                      </p:to>
+                                    </p:set>
+                                    <p:animEffect transition="in" filter="fade">
+                                      <p:cBhvr>
+                                        <p:cTn id="12" dur="500"/>
+                                        <p:tgtEl>
+                                          <p:spTgt spid="1028"/>
+                                        </p:tgtEl>
+                                      </p:cBhvr>
+                                    </p:animEffect>
+                                  </p:childTnLst>
+                                </p:cTn>
+                              </p:par>
+                            </p:childTnLst>
+                          </p:cTn>
+                        </p:par>
+                      </p:childTnLst>
+                    </p:cTn>
+                  </p:par>
+                </p:childTnLst>
+              </p:cTn>
+              <p:prevCondLst>
+                <p:cond evt="onPrev" delay="0">
+                  <p:tgtEl>
+                    <p:sldTgt/>
+                  </p:tgtEl>
+                </p:cond>
+              </p:prevCondLst>
+              <p:nextCondLst>
+                <p:cond evt="onNext" delay="0">
+                  <p:tgtEl>
+                    <p:sldTgt/>
+                  </p:tgtEl>
+                </p:cond>
+              </p:nextCondLst>
+            </p:seq>
+          </p:childTnLst>
+        </p:cTn>
       </p:par>
     </p:tnLst>
   </p:timing>

--- a/Praesentation.pptx
+++ b/Praesentation.pptx
@@ -7,6 +7,9 @@
   <p:sldIdLst>
     <p:sldId id="256" r:id="rId2"/>
     <p:sldId id="257" r:id="rId3"/>
+    <p:sldId id="258" r:id="rId4"/>
+    <p:sldId id="259" r:id="rId5"/>
+    <p:sldId id="260" r:id="rId6"/>
   </p:sldIdLst>
   <p:sldSz cx="9144000" cy="6858000" type="screen4x3"/>
   <p:notesSz cx="6858000" cy="9144000"/>
@@ -5162,6 +5165,242 @@
 </p:sld>
 </file>
 
+<file path=ppt/slides/slide3.xml><?xml version="1.0" encoding="utf-8"?>
+<p:sld xmlns:a="http://schemas.openxmlformats.org/drawingml/2006/main" xmlns:r="http://schemas.openxmlformats.org/officeDocument/2006/relationships" xmlns:p="http://schemas.openxmlformats.org/presentationml/2006/main">
+  <p:cSld>
+    <p:spTree>
+      <p:nvGrpSpPr>
+        <p:cNvPr id="1" name=""/>
+        <p:cNvGrpSpPr/>
+        <p:nvPr/>
+      </p:nvGrpSpPr>
+      <p:grpSpPr>
+        <a:xfrm>
+          <a:off x="0" y="0"/>
+          <a:ext cx="0" cy="0"/>
+          <a:chOff x="0" y="0"/>
+          <a:chExt cx="0" cy="0"/>
+        </a:xfrm>
+      </p:grpSpPr>
+      <p:sp>
+        <p:nvSpPr>
+          <p:cNvPr id="2" name="Inhaltsplatzhalter 1"/>
+          <p:cNvSpPr>
+            <a:spLocks noGrp="1"/>
+          </p:cNvSpPr>
+          <p:nvPr>
+            <p:ph idx="1"/>
+          </p:nvPr>
+        </p:nvSpPr>
+        <p:spPr/>
+        <p:txBody>
+          <a:bodyPr/>
+          <a:lstStyle/>
+          <a:p>
+            <a:r>
+              <a:rPr lang="de-CH" dirty="0" smtClean="0"/>
+              <a:t>Unterstützung </a:t>
+            </a:r>
+            <a:r>
+              <a:rPr lang="de-CH" dirty="0"/>
+              <a:t>Smartphone &amp; Tabletts (inkl. Fragments) </a:t>
+            </a:r>
+            <a:endParaRPr lang="de-CH" dirty="0" smtClean="0"/>
+          </a:p>
+          <a:p>
+            <a:r>
+              <a:rPr lang="de-CH" dirty="0"/>
+              <a:t>Verwendung von Nebenläufigkeit </a:t>
+            </a:r>
+            <a:endParaRPr lang="de-CH" dirty="0" smtClean="0"/>
+          </a:p>
+          <a:p>
+            <a:endParaRPr lang="de-CH" dirty="0"/>
+          </a:p>
+        </p:txBody>
+      </p:sp>
+      <p:sp>
+        <p:nvSpPr>
+          <p:cNvPr id="3" name="Titel 2"/>
+          <p:cNvSpPr>
+            <a:spLocks noGrp="1"/>
+          </p:cNvSpPr>
+          <p:nvPr>
+            <p:ph type="title"/>
+          </p:nvPr>
+        </p:nvSpPr>
+        <p:spPr/>
+        <p:txBody>
+          <a:bodyPr/>
+          <a:lstStyle/>
+          <a:p>
+            <a:r>
+              <a:rPr lang="de-CH" dirty="0"/>
+              <a:t>Technische Anforderungen </a:t>
+            </a:r>
+          </a:p>
+        </p:txBody>
+      </p:sp>
+    </p:spTree>
+    <p:extLst>
+      <p:ext uri="{BB962C8B-B14F-4D97-AF65-F5344CB8AC3E}">
+        <p14:creationId xmlns:p14="http://schemas.microsoft.com/office/powerpoint/2010/main" val="998841731"/>
+      </p:ext>
+    </p:extLst>
+  </p:cSld>
+  <p:clrMapOvr>
+    <a:masterClrMapping/>
+  </p:clrMapOvr>
+</p:sld>
+</file>
+
+<file path=ppt/slides/slide4.xml><?xml version="1.0" encoding="utf-8"?>
+<p:sld xmlns:a="http://schemas.openxmlformats.org/drawingml/2006/main" xmlns:r="http://schemas.openxmlformats.org/officeDocument/2006/relationships" xmlns:p="http://schemas.openxmlformats.org/presentationml/2006/main">
+  <p:cSld>
+    <p:spTree>
+      <p:nvGrpSpPr>
+        <p:cNvPr id="1" name=""/>
+        <p:cNvGrpSpPr/>
+        <p:nvPr/>
+      </p:nvGrpSpPr>
+      <p:grpSpPr>
+        <a:xfrm>
+          <a:off x="0" y="0"/>
+          <a:ext cx="0" cy="0"/>
+          <a:chOff x="0" y="0"/>
+          <a:chExt cx="0" cy="0"/>
+        </a:xfrm>
+      </p:grpSpPr>
+      <p:sp>
+        <p:nvSpPr>
+          <p:cNvPr id="3" name="Titel 2"/>
+          <p:cNvSpPr>
+            <a:spLocks noGrp="1"/>
+          </p:cNvSpPr>
+          <p:nvPr>
+            <p:ph type="title"/>
+          </p:nvPr>
+        </p:nvSpPr>
+        <p:spPr/>
+        <p:txBody>
+          <a:bodyPr/>
+          <a:lstStyle/>
+          <a:p>
+            <a:r>
+              <a:rPr lang="de-CH" dirty="0" smtClean="0"/>
+              <a:t>Demo</a:t>
+            </a:r>
+            <a:endParaRPr lang="de-CH" dirty="0"/>
+          </a:p>
+        </p:txBody>
+      </p:sp>
+    </p:spTree>
+    <p:extLst>
+      <p:ext uri="{BB962C8B-B14F-4D97-AF65-F5344CB8AC3E}">
+        <p14:creationId xmlns:p14="http://schemas.microsoft.com/office/powerpoint/2010/main" val="3395262269"/>
+      </p:ext>
+    </p:extLst>
+  </p:cSld>
+  <p:clrMapOvr>
+    <a:masterClrMapping/>
+  </p:clrMapOvr>
+</p:sld>
+</file>
+
+<file path=ppt/slides/slide5.xml><?xml version="1.0" encoding="utf-8"?>
+<p:sld xmlns:a="http://schemas.openxmlformats.org/drawingml/2006/main" xmlns:r="http://schemas.openxmlformats.org/officeDocument/2006/relationships" xmlns:p="http://schemas.openxmlformats.org/presentationml/2006/main">
+  <p:cSld>
+    <p:spTree>
+      <p:nvGrpSpPr>
+        <p:cNvPr id="1" name=""/>
+        <p:cNvGrpSpPr/>
+        <p:nvPr/>
+      </p:nvGrpSpPr>
+      <p:grpSpPr>
+        <a:xfrm>
+          <a:off x="0" y="0"/>
+          <a:ext cx="0" cy="0"/>
+          <a:chOff x="0" y="0"/>
+          <a:chExt cx="0" cy="0"/>
+        </a:xfrm>
+      </p:grpSpPr>
+      <p:sp>
+        <p:nvSpPr>
+          <p:cNvPr id="3" name="Titel 2"/>
+          <p:cNvSpPr>
+            <a:spLocks noGrp="1"/>
+          </p:cNvSpPr>
+          <p:nvPr>
+            <p:ph type="title"/>
+          </p:nvPr>
+        </p:nvSpPr>
+        <p:spPr/>
+        <p:txBody>
+          <a:bodyPr/>
+          <a:lstStyle/>
+          <a:p>
+            <a:r>
+              <a:rPr lang="de-CH" dirty="0" smtClean="0"/>
+              <a:t>Fragen</a:t>
+            </a:r>
+            <a:endParaRPr lang="de-CH" dirty="0"/>
+          </a:p>
+        </p:txBody>
+      </p:sp>
+      <p:pic>
+        <p:nvPicPr>
+          <p:cNvPr id="4" name="Picture 4" descr="http://images.clipartpanda.com/blue-question-mark-clipart-yioxqLBiE.png"/>
+          <p:cNvPicPr>
+            <a:picLocks noChangeAspect="1" noChangeArrowheads="1"/>
+          </p:cNvPicPr>
+          <p:nvPr/>
+        </p:nvPicPr>
+        <p:blipFill>
+          <a:blip r:embed="rId2">
+            <a:extLst>
+              <a:ext uri="{28A0092B-C50C-407E-A947-70E740481C1C}">
+                <a14:useLocalDpi xmlns:a14="http://schemas.microsoft.com/office/drawing/2010/main" val="0"/>
+              </a:ext>
+            </a:extLst>
+          </a:blip>
+          <a:srcRect/>
+          <a:stretch>
+            <a:fillRect/>
+          </a:stretch>
+        </p:blipFill>
+        <p:spPr bwMode="auto">
+          <a:xfrm>
+            <a:off x="3419872" y="1916832"/>
+            <a:ext cx="2338977" cy="3526185"/>
+          </a:xfrm>
+          <a:prstGeom prst="rect">
+            <a:avLst/>
+          </a:prstGeom>
+          <a:noFill/>
+          <a:extLst>
+            <a:ext uri="{909E8E84-426E-40DD-AFC4-6F175D3DCCD1}">
+              <a14:hiddenFill xmlns:a14="http://schemas.microsoft.com/office/drawing/2010/main">
+                <a:solidFill>
+                  <a:srgbClr val="FFFFFF"/>
+                </a:solidFill>
+              </a14:hiddenFill>
+            </a:ext>
+          </a:extLst>
+        </p:spPr>
+      </p:pic>
+    </p:spTree>
+    <p:extLst>
+      <p:ext uri="{BB962C8B-B14F-4D97-AF65-F5344CB8AC3E}">
+        <p14:creationId xmlns:p14="http://schemas.microsoft.com/office/powerpoint/2010/main" val="4094138596"/>
+      </p:ext>
+    </p:extLst>
+  </p:cSld>
+  <p:clrMapOvr>
+    <a:masterClrMapping/>
+  </p:clrMapOvr>
+</p:sld>
+</file>
+
 <file path=ppt/theme/theme1.xml><?xml version="1.0" encoding="utf-8"?>
 <a:theme xmlns:a="http://schemas.openxmlformats.org/drawingml/2006/main" name="Deimos">
   <a:themeElements>

--- a/Praesentation.pptx
+++ b/Praesentation.pptx
@@ -8,8 +8,9 @@
     <p:sldId id="256" r:id="rId2"/>
     <p:sldId id="257" r:id="rId3"/>
     <p:sldId id="258" r:id="rId4"/>
-    <p:sldId id="259" r:id="rId5"/>
-    <p:sldId id="260" r:id="rId6"/>
+    <p:sldId id="261" r:id="rId5"/>
+    <p:sldId id="259" r:id="rId6"/>
+    <p:sldId id="260" r:id="rId7"/>
   </p:sldIdLst>
   <p:sldSz cx="9144000" cy="6858000" type="screen4x3"/>
   <p:notesSz cx="6858000" cy="9144000"/>
@@ -5273,6 +5274,106 @@
       </p:grpSpPr>
       <p:sp>
         <p:nvSpPr>
+          <p:cNvPr id="2" name="Inhaltsplatzhalter 1"/>
+          <p:cNvSpPr>
+            <a:spLocks noGrp="1"/>
+          </p:cNvSpPr>
+          <p:nvPr>
+            <p:ph idx="1"/>
+          </p:nvPr>
+        </p:nvSpPr>
+        <p:spPr/>
+        <p:txBody>
+          <a:bodyPr/>
+          <a:lstStyle/>
+          <a:p>
+            <a:r>
+              <a:rPr lang="de-CH" dirty="0" smtClean="0"/>
+              <a:t>INTRO – Modulbesucher (Informatik, Elektrotechnik)</a:t>
+            </a:r>
+            <a:endParaRPr lang="de-CH" dirty="0" smtClean="0"/>
+          </a:p>
+          <a:p>
+            <a:r>
+              <a:rPr lang="de-CH" dirty="0" err="1" smtClean="0"/>
+              <a:t>Bluetoothmodul</a:t>
+            </a:r>
+            <a:r>
+              <a:rPr lang="de-CH" dirty="0" smtClean="0"/>
+              <a:t> HC06 verwenden</a:t>
+            </a:r>
+          </a:p>
+          <a:p>
+            <a:r>
+              <a:rPr lang="de-CH" dirty="0" err="1" smtClean="0"/>
+              <a:t>SumoBot</a:t>
+            </a:r>
+            <a:r>
+              <a:rPr lang="de-CH" dirty="0" smtClean="0"/>
+              <a:t>-Entwickler</a:t>
+            </a:r>
+            <a:endParaRPr lang="de-CH" dirty="0" smtClean="0"/>
+          </a:p>
+          <a:p>
+            <a:endParaRPr lang="de-CH" dirty="0"/>
+          </a:p>
+        </p:txBody>
+      </p:sp>
+      <p:sp>
+        <p:nvSpPr>
+          <p:cNvPr id="3" name="Titel 2"/>
+          <p:cNvSpPr>
+            <a:spLocks noGrp="1"/>
+          </p:cNvSpPr>
+          <p:nvPr>
+            <p:ph type="title"/>
+          </p:nvPr>
+        </p:nvSpPr>
+        <p:spPr/>
+        <p:txBody>
+          <a:bodyPr/>
+          <a:lstStyle/>
+          <a:p>
+            <a:r>
+              <a:rPr lang="de-CH" dirty="0" smtClean="0"/>
+              <a:t>Zielpublikum</a:t>
+            </a:r>
+            <a:endParaRPr lang="de-CH" dirty="0"/>
+          </a:p>
+        </p:txBody>
+      </p:sp>
+    </p:spTree>
+    <p:extLst>
+      <p:ext uri="{BB962C8B-B14F-4D97-AF65-F5344CB8AC3E}">
+        <p14:creationId xmlns:p14="http://schemas.microsoft.com/office/powerpoint/2010/main" val="2261157094"/>
+      </p:ext>
+    </p:extLst>
+  </p:cSld>
+  <p:clrMapOvr>
+    <a:masterClrMapping/>
+  </p:clrMapOvr>
+</p:sld>
+</file>
+
+<file path=ppt/slides/slide5.xml><?xml version="1.0" encoding="utf-8"?>
+<p:sld xmlns:a="http://schemas.openxmlformats.org/drawingml/2006/main" xmlns:r="http://schemas.openxmlformats.org/officeDocument/2006/relationships" xmlns:p="http://schemas.openxmlformats.org/presentationml/2006/main">
+  <p:cSld>
+    <p:spTree>
+      <p:nvGrpSpPr>
+        <p:cNvPr id="1" name=""/>
+        <p:cNvGrpSpPr/>
+        <p:nvPr/>
+      </p:nvGrpSpPr>
+      <p:grpSpPr>
+        <a:xfrm>
+          <a:off x="0" y="0"/>
+          <a:ext cx="0" cy="0"/>
+          <a:chOff x="0" y="0"/>
+          <a:chExt cx="0" cy="0"/>
+        </a:xfrm>
+      </p:grpSpPr>
+      <p:sp>
+        <p:nvSpPr>
           <p:cNvPr id="3" name="Titel 2"/>
           <p:cNvSpPr>
             <a:spLocks noGrp="1"/>
@@ -5307,7 +5408,7 @@
 </p:sld>
 </file>
 
-<file path=ppt/slides/slide5.xml><?xml version="1.0" encoding="utf-8"?>
+<file path=ppt/slides/slide6.xml><?xml version="1.0" encoding="utf-8"?>
 <p:sld xmlns:a="http://schemas.openxmlformats.org/drawingml/2006/main" xmlns:r="http://schemas.openxmlformats.org/officeDocument/2006/relationships" xmlns:p="http://schemas.openxmlformats.org/presentationml/2006/main">
   <p:cSld>
     <p:spTree>

--- a/Praesentation.pptx
+++ b/Praesentation.pptx
@@ -9,8 +9,9 @@
     <p:sldId id="257" r:id="rId3"/>
     <p:sldId id="258" r:id="rId4"/>
     <p:sldId id="261" r:id="rId5"/>
-    <p:sldId id="259" r:id="rId6"/>
-    <p:sldId id="260" r:id="rId7"/>
+    <p:sldId id="262" r:id="rId6"/>
+    <p:sldId id="259" r:id="rId7"/>
+    <p:sldId id="260" r:id="rId8"/>
   </p:sldIdLst>
   <p:sldSz cx="9144000" cy="6858000" type="screen4x3"/>
   <p:notesSz cx="6858000" cy="9144000"/>
@@ -737,7 +738,7 @@
           <a:p>
             <a:fld id="{8588FC70-2C7A-4951-B9AD-39FC0F67E4FE}" type="datetimeFigureOut">
               <a:rPr lang="de-CH" smtClean="0"/>
-              <a:t>04.05.2015</a:t>
+              <a:t>05.05.2015</a:t>
             </a:fld>
             <a:endParaRPr lang="de-CH"/>
           </a:p>
@@ -933,7 +934,7 @@
           <a:p>
             <a:fld id="{8588FC70-2C7A-4951-B9AD-39FC0F67E4FE}" type="datetimeFigureOut">
               <a:rPr lang="de-CH" smtClean="0"/>
-              <a:t>04.05.2015</a:t>
+              <a:t>05.05.2015</a:t>
             </a:fld>
             <a:endParaRPr lang="de-CH"/>
           </a:p>
@@ -1118,7 +1119,7 @@
           <a:p>
             <a:fld id="{8588FC70-2C7A-4951-B9AD-39FC0F67E4FE}" type="datetimeFigureOut">
               <a:rPr lang="de-CH" smtClean="0"/>
-              <a:t>04.05.2015</a:t>
+              <a:t>05.05.2015</a:t>
             </a:fld>
             <a:endParaRPr lang="de-CH"/>
           </a:p>
@@ -1268,7 +1269,7 @@
           <a:p>
             <a:fld id="{8588FC70-2C7A-4951-B9AD-39FC0F67E4FE}" type="datetimeFigureOut">
               <a:rPr lang="de-CH" smtClean="0"/>
-              <a:t>04.05.2015</a:t>
+              <a:t>05.05.2015</a:t>
             </a:fld>
             <a:endParaRPr lang="de-CH"/>
           </a:p>
@@ -1523,7 +1524,7 @@
           <a:p>
             <a:fld id="{8588FC70-2C7A-4951-B9AD-39FC0F67E4FE}" type="datetimeFigureOut">
               <a:rPr lang="de-CH" smtClean="0"/>
-              <a:t>04.05.2015</a:t>
+              <a:t>05.05.2015</a:t>
             </a:fld>
             <a:endParaRPr lang="de-CH"/>
           </a:p>
@@ -1932,7 +1933,7 @@
           <a:p>
             <a:fld id="{8588FC70-2C7A-4951-B9AD-39FC0F67E4FE}" type="datetimeFigureOut">
               <a:rPr lang="de-CH" smtClean="0"/>
-              <a:t>04.05.2015</a:t>
+              <a:t>05.05.2015</a:t>
             </a:fld>
             <a:endParaRPr lang="de-CH"/>
           </a:p>
@@ -2378,7 +2379,7 @@
           <a:p>
             <a:fld id="{8588FC70-2C7A-4951-B9AD-39FC0F67E4FE}" type="datetimeFigureOut">
               <a:rPr lang="de-CH" smtClean="0"/>
-              <a:t>04.05.2015</a:t>
+              <a:t>05.05.2015</a:t>
             </a:fld>
             <a:endParaRPr lang="de-CH"/>
           </a:p>
@@ -2479,7 +2480,7 @@
           <a:p>
             <a:fld id="{8588FC70-2C7A-4951-B9AD-39FC0F67E4FE}" type="datetimeFigureOut">
               <a:rPr lang="de-CH" smtClean="0"/>
-              <a:t>04.05.2015</a:t>
+              <a:t>05.05.2015</a:t>
             </a:fld>
             <a:endParaRPr lang="de-CH"/>
           </a:p>
@@ -2600,7 +2601,7 @@
           <a:p>
             <a:fld id="{8588FC70-2C7A-4951-B9AD-39FC0F67E4FE}" type="datetimeFigureOut">
               <a:rPr lang="de-CH" smtClean="0"/>
-              <a:t>04.05.2015</a:t>
+              <a:t>05.05.2015</a:t>
             </a:fld>
             <a:endParaRPr lang="de-CH"/>
           </a:p>
@@ -2874,7 +2875,7 @@
           <a:p>
             <a:fld id="{8588FC70-2C7A-4951-B9AD-39FC0F67E4FE}" type="datetimeFigureOut">
               <a:rPr lang="de-CH" smtClean="0"/>
-              <a:t>04.05.2015</a:t>
+              <a:t>05.05.2015</a:t>
             </a:fld>
             <a:endParaRPr lang="de-CH"/>
           </a:p>
@@ -3079,7 +3080,7 @@
           <a:p>
             <a:fld id="{8588FC70-2C7A-4951-B9AD-39FC0F67E4FE}" type="datetimeFigureOut">
               <a:rPr lang="de-CH" smtClean="0"/>
-              <a:t>04.05.2015</a:t>
+              <a:t>05.05.2015</a:t>
             </a:fld>
             <a:endParaRPr lang="de-CH"/>
           </a:p>
@@ -4188,7 +4189,7 @@
           <a:p>
             <a:fld id="{8588FC70-2C7A-4951-B9AD-39FC0F67E4FE}" type="datetimeFigureOut">
               <a:rPr lang="de-CH" smtClean="0"/>
-              <a:t>04.05.2015</a:t>
+              <a:t>05.05.2015</a:t>
             </a:fld>
             <a:endParaRPr lang="de-CH"/>
           </a:p>
@@ -5291,7 +5292,6 @@
               <a:rPr lang="de-CH" dirty="0" smtClean="0"/>
               <a:t>INTRO – Modulbesucher (Informatik, Elektrotechnik)</a:t>
             </a:r>
-            <a:endParaRPr lang="de-CH" dirty="0" smtClean="0"/>
           </a:p>
           <a:p>
             <a:r>
@@ -5312,7 +5312,6 @@
               <a:rPr lang="de-CH" dirty="0" smtClean="0"/>
               <a:t>-Entwickler</a:t>
             </a:r>
-            <a:endParaRPr lang="de-CH" dirty="0" smtClean="0"/>
           </a:p>
           <a:p>
             <a:endParaRPr lang="de-CH" dirty="0"/>
@@ -5389,6 +5388,179 @@
           <a:p>
             <a:r>
               <a:rPr lang="de-CH" dirty="0" smtClean="0"/>
+              <a:t>Nice </a:t>
+            </a:r>
+            <a:r>
+              <a:rPr lang="de-CH" dirty="0" err="1" smtClean="0"/>
+              <a:t>to</a:t>
+            </a:r>
+            <a:r>
+              <a:rPr lang="de-CH" dirty="0" smtClean="0"/>
+              <a:t> </a:t>
+            </a:r>
+            <a:r>
+              <a:rPr lang="de-CH" dirty="0" err="1" smtClean="0"/>
+              <a:t>know</a:t>
+            </a:r>
+            <a:endParaRPr lang="de-CH" dirty="0"/>
+          </a:p>
+        </p:txBody>
+      </p:sp>
+      <p:pic>
+        <p:nvPicPr>
+          <p:cNvPr id="1026" name="Picture 2"/>
+          <p:cNvPicPr>
+            <a:picLocks noChangeAspect="1" noChangeArrowheads="1"/>
+          </p:cNvPicPr>
+          <p:nvPr/>
+        </p:nvPicPr>
+        <p:blipFill>
+          <a:blip r:embed="rId2">
+            <a:extLst>
+              <a:ext uri="{28A0092B-C50C-407E-A947-70E740481C1C}">
+                <a14:useLocalDpi xmlns:a14="http://schemas.microsoft.com/office/drawing/2010/main" val="0"/>
+              </a:ext>
+            </a:extLst>
+          </a:blip>
+          <a:srcRect/>
+          <a:stretch>
+            <a:fillRect/>
+          </a:stretch>
+        </p:blipFill>
+        <p:spPr bwMode="auto">
+          <a:xfrm>
+            <a:off x="683568" y="1844824"/>
+            <a:ext cx="4152900" cy="647700"/>
+          </a:xfrm>
+          <a:prstGeom prst="rect">
+            <a:avLst/>
+          </a:prstGeom>
+          <a:noFill/>
+          <a:ln>
+            <a:noFill/>
+          </a:ln>
+          <a:extLst>
+            <a:ext uri="{909E8E84-426E-40DD-AFC4-6F175D3DCCD1}">
+              <a14:hiddenFill xmlns:a14="http://schemas.microsoft.com/office/drawing/2010/main">
+                <a:solidFill>
+                  <a:schemeClr val="accent1"/>
+                </a:solidFill>
+              </a14:hiddenFill>
+            </a:ext>
+            <a:ext uri="{91240B29-F687-4F45-9708-019B960494DF}">
+              <a14:hiddenLine xmlns:a14="http://schemas.microsoft.com/office/drawing/2010/main" w="9525">
+                <a:solidFill>
+                  <a:schemeClr val="tx1"/>
+                </a:solidFill>
+                <a:miter lim="800000"/>
+                <a:headEnd/>
+                <a:tailEnd/>
+              </a14:hiddenLine>
+            </a:ext>
+          </a:extLst>
+        </p:spPr>
+      </p:pic>
+      <p:pic>
+        <p:nvPicPr>
+          <p:cNvPr id="4" name="Picture 2"/>
+          <p:cNvPicPr>
+            <a:picLocks noChangeAspect="1" noChangeArrowheads="1"/>
+          </p:cNvPicPr>
+          <p:nvPr/>
+        </p:nvPicPr>
+        <p:blipFill>
+          <a:blip r:embed="rId3">
+            <a:extLst>
+              <a:ext uri="{28A0092B-C50C-407E-A947-70E740481C1C}">
+                <a14:useLocalDpi xmlns:a14="http://schemas.microsoft.com/office/drawing/2010/main" val="0"/>
+              </a:ext>
+            </a:extLst>
+          </a:blip>
+          <a:srcRect/>
+          <a:stretch>
+            <a:fillRect/>
+          </a:stretch>
+        </p:blipFill>
+        <p:spPr bwMode="auto">
+          <a:xfrm>
+            <a:off x="650244" y="2643188"/>
+            <a:ext cx="5133975" cy="523875"/>
+          </a:xfrm>
+          <a:prstGeom prst="rect">
+            <a:avLst/>
+          </a:prstGeom>
+          <a:noFill/>
+          <a:ln>
+            <a:noFill/>
+          </a:ln>
+          <a:extLst>
+            <a:ext uri="{909E8E84-426E-40DD-AFC4-6F175D3DCCD1}">
+              <a14:hiddenFill xmlns:a14="http://schemas.microsoft.com/office/drawing/2010/main">
+                <a:solidFill>
+                  <a:schemeClr val="accent1"/>
+                </a:solidFill>
+              </a14:hiddenFill>
+            </a:ext>
+            <a:ext uri="{91240B29-F687-4F45-9708-019B960494DF}">
+              <a14:hiddenLine xmlns:a14="http://schemas.microsoft.com/office/drawing/2010/main" w="9525">
+                <a:solidFill>
+                  <a:schemeClr val="tx1"/>
+                </a:solidFill>
+                <a:miter lim="800000"/>
+                <a:headEnd/>
+                <a:tailEnd/>
+              </a14:hiddenLine>
+            </a:ext>
+          </a:extLst>
+        </p:spPr>
+      </p:pic>
+    </p:spTree>
+    <p:extLst>
+      <p:ext uri="{BB962C8B-B14F-4D97-AF65-F5344CB8AC3E}">
+        <p14:creationId xmlns:p14="http://schemas.microsoft.com/office/powerpoint/2010/main" val="1945745746"/>
+      </p:ext>
+    </p:extLst>
+  </p:cSld>
+  <p:clrMapOvr>
+    <a:masterClrMapping/>
+  </p:clrMapOvr>
+</p:sld>
+</file>
+
+<file path=ppt/slides/slide6.xml><?xml version="1.0" encoding="utf-8"?>
+<p:sld xmlns:a="http://schemas.openxmlformats.org/drawingml/2006/main" xmlns:r="http://schemas.openxmlformats.org/officeDocument/2006/relationships" xmlns:p="http://schemas.openxmlformats.org/presentationml/2006/main">
+  <p:cSld>
+    <p:spTree>
+      <p:nvGrpSpPr>
+        <p:cNvPr id="1" name=""/>
+        <p:cNvGrpSpPr/>
+        <p:nvPr/>
+      </p:nvGrpSpPr>
+      <p:grpSpPr>
+        <a:xfrm>
+          <a:off x="0" y="0"/>
+          <a:ext cx="0" cy="0"/>
+          <a:chOff x="0" y="0"/>
+          <a:chExt cx="0" cy="0"/>
+        </a:xfrm>
+      </p:grpSpPr>
+      <p:sp>
+        <p:nvSpPr>
+          <p:cNvPr id="3" name="Titel 2"/>
+          <p:cNvSpPr>
+            <a:spLocks noGrp="1"/>
+          </p:cNvSpPr>
+          <p:nvPr>
+            <p:ph type="title"/>
+          </p:nvPr>
+        </p:nvSpPr>
+        <p:spPr/>
+        <p:txBody>
+          <a:bodyPr/>
+          <a:lstStyle/>
+          <a:p>
+            <a:r>
+              <a:rPr lang="de-CH" dirty="0" smtClean="0"/>
               <a:t>Demo</a:t>
             </a:r>
             <a:endParaRPr lang="de-CH" dirty="0"/>
@@ -5408,7 +5580,7 @@
 </p:sld>
 </file>
 
-<file path=ppt/slides/slide6.xml><?xml version="1.0" encoding="utf-8"?>
+<file path=ppt/slides/slide7.xml><?xml version="1.0" encoding="utf-8"?>
 <p:sld xmlns:a="http://schemas.openxmlformats.org/drawingml/2006/main" xmlns:r="http://schemas.openxmlformats.org/officeDocument/2006/relationships" xmlns:p="http://schemas.openxmlformats.org/presentationml/2006/main">
   <p:cSld>
     <p:spTree>

--- a/Praesentation.pptx
+++ b/Praesentation.pptx
@@ -738,7 +738,7 @@
           <a:p>
             <a:fld id="{8588FC70-2C7A-4951-B9AD-39FC0F67E4FE}" type="datetimeFigureOut">
               <a:rPr lang="de-CH" smtClean="0"/>
-              <a:t>05.05.2015</a:t>
+              <a:t>09.05.2015</a:t>
             </a:fld>
             <a:endParaRPr lang="de-CH"/>
           </a:p>
@@ -934,7 +934,7 @@
           <a:p>
             <a:fld id="{8588FC70-2C7A-4951-B9AD-39FC0F67E4FE}" type="datetimeFigureOut">
               <a:rPr lang="de-CH" smtClean="0"/>
-              <a:t>05.05.2015</a:t>
+              <a:t>09.05.2015</a:t>
             </a:fld>
             <a:endParaRPr lang="de-CH"/>
           </a:p>
@@ -1119,7 +1119,7 @@
           <a:p>
             <a:fld id="{8588FC70-2C7A-4951-B9AD-39FC0F67E4FE}" type="datetimeFigureOut">
               <a:rPr lang="de-CH" smtClean="0"/>
-              <a:t>05.05.2015</a:t>
+              <a:t>09.05.2015</a:t>
             </a:fld>
             <a:endParaRPr lang="de-CH"/>
           </a:p>
@@ -1269,7 +1269,7 @@
           <a:p>
             <a:fld id="{8588FC70-2C7A-4951-B9AD-39FC0F67E4FE}" type="datetimeFigureOut">
               <a:rPr lang="de-CH" smtClean="0"/>
-              <a:t>05.05.2015</a:t>
+              <a:t>09.05.2015</a:t>
             </a:fld>
             <a:endParaRPr lang="de-CH"/>
           </a:p>
@@ -1524,7 +1524,7 @@
           <a:p>
             <a:fld id="{8588FC70-2C7A-4951-B9AD-39FC0F67E4FE}" type="datetimeFigureOut">
               <a:rPr lang="de-CH" smtClean="0"/>
-              <a:t>05.05.2015</a:t>
+              <a:t>09.05.2015</a:t>
             </a:fld>
             <a:endParaRPr lang="de-CH"/>
           </a:p>
@@ -1933,7 +1933,7 @@
           <a:p>
             <a:fld id="{8588FC70-2C7A-4951-B9AD-39FC0F67E4FE}" type="datetimeFigureOut">
               <a:rPr lang="de-CH" smtClean="0"/>
-              <a:t>05.05.2015</a:t>
+              <a:t>09.05.2015</a:t>
             </a:fld>
             <a:endParaRPr lang="de-CH"/>
           </a:p>
@@ -2379,7 +2379,7 @@
           <a:p>
             <a:fld id="{8588FC70-2C7A-4951-B9AD-39FC0F67E4FE}" type="datetimeFigureOut">
               <a:rPr lang="de-CH" smtClean="0"/>
-              <a:t>05.05.2015</a:t>
+              <a:t>09.05.2015</a:t>
             </a:fld>
             <a:endParaRPr lang="de-CH"/>
           </a:p>
@@ -2480,7 +2480,7 @@
           <a:p>
             <a:fld id="{8588FC70-2C7A-4951-B9AD-39FC0F67E4FE}" type="datetimeFigureOut">
               <a:rPr lang="de-CH" smtClean="0"/>
-              <a:t>05.05.2015</a:t>
+              <a:t>09.05.2015</a:t>
             </a:fld>
             <a:endParaRPr lang="de-CH"/>
           </a:p>
@@ -2601,7 +2601,7 @@
           <a:p>
             <a:fld id="{8588FC70-2C7A-4951-B9AD-39FC0F67E4FE}" type="datetimeFigureOut">
               <a:rPr lang="de-CH" smtClean="0"/>
-              <a:t>05.05.2015</a:t>
+              <a:t>09.05.2015</a:t>
             </a:fld>
             <a:endParaRPr lang="de-CH"/>
           </a:p>
@@ -2875,7 +2875,7 @@
           <a:p>
             <a:fld id="{8588FC70-2C7A-4951-B9AD-39FC0F67E4FE}" type="datetimeFigureOut">
               <a:rPr lang="de-CH" smtClean="0"/>
-              <a:t>05.05.2015</a:t>
+              <a:t>09.05.2015</a:t>
             </a:fld>
             <a:endParaRPr lang="de-CH"/>
           </a:p>
@@ -3080,7 +3080,7 @@
           <a:p>
             <a:fld id="{8588FC70-2C7A-4951-B9AD-39FC0F67E4FE}" type="datetimeFigureOut">
               <a:rPr lang="de-CH" smtClean="0"/>
-              <a:t>05.05.2015</a:t>
+              <a:t>09.05.2015</a:t>
             </a:fld>
             <a:endParaRPr lang="de-CH"/>
           </a:p>
@@ -4189,7 +4189,7 @@
           <a:p>
             <a:fld id="{8588FC70-2C7A-4951-B9AD-39FC0F67E4FE}" type="datetimeFigureOut">
               <a:rPr lang="de-CH" smtClean="0"/>
-              <a:t>05.05.2015</a:t>
+              <a:t>09.05.2015</a:t>
             </a:fld>
             <a:endParaRPr lang="de-CH"/>
           </a:p>
@@ -5201,11 +5201,28 @@
           <a:p>
             <a:r>
               <a:rPr lang="de-CH" dirty="0" smtClean="0"/>
+              <a:t>Kommunikation über Bluetooth (1)</a:t>
+            </a:r>
+          </a:p>
+          <a:p>
+            <a:pPr lvl="1"/>
+            <a:r>
+              <a:rPr lang="de-CH" dirty="0" smtClean="0"/>
+              <a:t>Bluetooth.java</a:t>
+            </a:r>
+          </a:p>
+          <a:p>
+            <a:r>
+              <a:rPr lang="de-CH" dirty="0" smtClean="0"/>
               <a:t>Unterstützung </a:t>
             </a:r>
             <a:r>
               <a:rPr lang="de-CH" dirty="0"/>
-              <a:t>Smartphone &amp; Tabletts (inkl. Fragments) </a:t>
+              <a:t>Smartphone &amp; </a:t>
+            </a:r>
+            <a:r>
+              <a:rPr lang="de-CH" dirty="0" smtClean="0"/>
+              <a:t>Tablets (2)</a:t>
             </a:r>
             <a:endParaRPr lang="de-CH" dirty="0" smtClean="0"/>
           </a:p>
@@ -5213,6 +5230,40 @@
             <a:r>
               <a:rPr lang="de-CH" dirty="0"/>
               <a:t>Verwendung von Nebenläufigkeit </a:t>
+            </a:r>
+            <a:r>
+              <a:rPr lang="de-CH" dirty="0" smtClean="0"/>
+              <a:t>(1)</a:t>
+            </a:r>
+          </a:p>
+          <a:p>
+            <a:pPr lvl="1"/>
+            <a:r>
+              <a:rPr lang="de-CH" dirty="0" err="1" smtClean="0"/>
+              <a:t>ConnectThread</a:t>
+            </a:r>
+            <a:endParaRPr lang="de-CH" dirty="0" smtClean="0"/>
+          </a:p>
+          <a:p>
+            <a:pPr lvl="1"/>
+            <a:r>
+              <a:rPr lang="de-CH" dirty="0" err="1" smtClean="0"/>
+              <a:t>ConnectedThread</a:t>
+            </a:r>
+            <a:endParaRPr lang="de-CH" dirty="0" smtClean="0"/>
+          </a:p>
+          <a:p>
+            <a:pPr lvl="1"/>
+            <a:r>
+              <a:rPr lang="de-CH" dirty="0" err="1"/>
+              <a:t>AcceptThread</a:t>
+            </a:r>
+            <a:endParaRPr lang="de-CH" dirty="0" smtClean="0"/>
+          </a:p>
+          <a:p>
+            <a:r>
+              <a:rPr lang="de-CH" dirty="0" smtClean="0"/>
+              <a:t>Lokale Persistenz (1)</a:t>
             </a:r>
             <a:endParaRPr lang="de-CH" dirty="0" smtClean="0"/>
           </a:p>
@@ -5373,34 +5424,83 @@
       </p:grpSpPr>
       <p:sp>
         <p:nvSpPr>
-          <p:cNvPr id="3" name="Titel 2"/>
-          <p:cNvSpPr>
-            <a:spLocks noGrp="1"/>
-          </p:cNvSpPr>
-          <p:nvPr>
-            <p:ph type="title"/>
-          </p:nvPr>
-        </p:nvSpPr>
-        <p:spPr/>
+          <p:cNvPr id="5" name="Inhaltsplatzhalter 1"/>
+          <p:cNvSpPr>
+            <a:spLocks noGrp="1"/>
+          </p:cNvSpPr>
+          <p:nvPr>
+            <p:ph idx="1"/>
+          </p:nvPr>
+        </p:nvSpPr>
+        <p:spPr>
+          <a:xfrm>
+            <a:off x="457200" y="1481328"/>
+            <a:ext cx="8229600" cy="4525963"/>
+          </a:xfrm>
+        </p:spPr>
         <p:txBody>
           <a:bodyPr/>
           <a:lstStyle/>
           <a:p>
             <a:r>
               <a:rPr lang="de-CH" dirty="0" smtClean="0"/>
-              <a:t>Nice </a:t>
-            </a:r>
-            <a:r>
-              <a:rPr lang="de-CH" dirty="0" err="1" smtClean="0"/>
-              <a:t>to</a:t>
+              <a:t>Fehler durch</a:t>
             </a:r>
             <a:r>
               <a:rPr lang="de-CH" dirty="0" smtClean="0"/>
               <a:t> </a:t>
             </a:r>
             <a:r>
+              <a:rPr lang="de-CH" dirty="0" smtClean="0"/>
+              <a:t>Bluetooth abfangen</a:t>
+            </a:r>
+          </a:p>
+          <a:p>
+            <a:r>
+              <a:rPr lang="de-CH" dirty="0" smtClean="0"/>
+              <a:t>Massenspeichermodus (MSC) und nicht Medienübertragungsmodus (MTP)</a:t>
+            </a:r>
+            <a:endParaRPr lang="de-CH" dirty="0" smtClean="0"/>
+          </a:p>
+          <a:p>
+            <a:pPr marL="109728" indent="0">
+              <a:buNone/>
+            </a:pPr>
+            <a:endParaRPr lang="de-CH" dirty="0" smtClean="0"/>
+          </a:p>
+          <a:p>
+            <a:pPr marL="109728" indent="0">
+              <a:buNone/>
+            </a:pPr>
+            <a:endParaRPr lang="de-CH" dirty="0"/>
+          </a:p>
+          <a:p>
+            <a:r>
               <a:rPr lang="de-CH" dirty="0" err="1" smtClean="0"/>
-              <a:t>know</a:t>
+              <a:t>Permissions</a:t>
+            </a:r>
+            <a:endParaRPr lang="de-CH" dirty="0"/>
+          </a:p>
+        </p:txBody>
+      </p:sp>
+      <p:sp>
+        <p:nvSpPr>
+          <p:cNvPr id="3" name="Titel 2"/>
+          <p:cNvSpPr>
+            <a:spLocks noGrp="1"/>
+          </p:cNvSpPr>
+          <p:nvPr>
+            <p:ph type="title"/>
+          </p:nvPr>
+        </p:nvSpPr>
+        <p:spPr/>
+        <p:txBody>
+          <a:bodyPr/>
+          <a:lstStyle/>
+          <a:p>
+            <a:r>
+              <a:rPr lang="de-CH" dirty="0" smtClean="0"/>
+              <a:t>Schwierigkeiten</a:t>
             </a:r>
             <a:endParaRPr lang="de-CH" dirty="0"/>
           </a:p>
@@ -5429,7 +5529,7 @@
         </p:blipFill>
         <p:spPr bwMode="auto">
           <a:xfrm>
-            <a:off x="683568" y="1844824"/>
+            <a:off x="890128" y="2780928"/>
             <a:ext cx="4152900" cy="647700"/>
           </a:xfrm>
           <a:prstGeom prst="rect">
@@ -5483,7 +5583,7 @@
         </p:blipFill>
         <p:spPr bwMode="auto">
           <a:xfrm>
-            <a:off x="650244" y="2643188"/>
+            <a:off x="755576" y="4221088"/>
             <a:ext cx="5133975" cy="523875"/>
           </a:xfrm>
           <a:prstGeom prst="rect">
@@ -5567,6 +5667,60 @@
           </a:p>
         </p:txBody>
       </p:sp>
+      <p:pic>
+        <p:nvPicPr>
+          <p:cNvPr id="4" name="Picture 3"/>
+          <p:cNvPicPr>
+            <a:picLocks noChangeAspect="1" noChangeArrowheads="1"/>
+          </p:cNvPicPr>
+          <p:nvPr/>
+        </p:nvPicPr>
+        <p:blipFill>
+          <a:blip r:embed="rId2">
+            <a:extLst>
+              <a:ext uri="{28A0092B-C50C-407E-A947-70E740481C1C}">
+                <a14:useLocalDpi xmlns:a14="http://schemas.microsoft.com/office/drawing/2010/main" val="0"/>
+              </a:ext>
+            </a:extLst>
+          </a:blip>
+          <a:srcRect/>
+          <a:stretch>
+            <a:fillRect/>
+          </a:stretch>
+        </p:blipFill>
+        <p:spPr bwMode="auto">
+          <a:xfrm>
+            <a:off x="2627784" y="1484975"/>
+            <a:ext cx="4316114" cy="3993749"/>
+          </a:xfrm>
+          <a:prstGeom prst="rect">
+            <a:avLst/>
+          </a:prstGeom>
+          <a:noFill/>
+          <a:ln>
+            <a:noFill/>
+          </a:ln>
+          <a:extLst>
+            <a:ext uri="{909E8E84-426E-40DD-AFC4-6F175D3DCCD1}">
+              <a14:hiddenFill xmlns:a14="http://schemas.microsoft.com/office/drawing/2010/main">
+                <a:solidFill>
+                  <a:schemeClr val="accent1"/>
+                </a:solidFill>
+              </a14:hiddenFill>
+            </a:ext>
+            <a:ext uri="{91240B29-F687-4F45-9708-019B960494DF}">
+              <a14:hiddenLine xmlns:a14="http://schemas.microsoft.com/office/drawing/2010/main" w="9525">
+                <a:solidFill>
+                  <a:schemeClr val="tx1"/>
+                </a:solidFill>
+                <a:miter lim="800000"/>
+                <a:headEnd/>
+                <a:tailEnd/>
+              </a14:hiddenLine>
+            </a:ext>
+          </a:extLst>
+        </p:spPr>
+      </p:pic>
     </p:spTree>
     <p:extLst>
       <p:ext uri="{BB962C8B-B14F-4D97-AF65-F5344CB8AC3E}">

--- a/Praesentation.pptx
+++ b/Praesentation.pptx
@@ -10,8 +10,9 @@
     <p:sldId id="258" r:id="rId4"/>
     <p:sldId id="261" r:id="rId5"/>
     <p:sldId id="262" r:id="rId6"/>
-    <p:sldId id="259" r:id="rId7"/>
-    <p:sldId id="260" r:id="rId8"/>
+    <p:sldId id="263" r:id="rId7"/>
+    <p:sldId id="259" r:id="rId8"/>
+    <p:sldId id="260" r:id="rId9"/>
   </p:sldIdLst>
   <p:sldSz cx="9144000" cy="6858000" type="screen4x3"/>
   <p:notesSz cx="6858000" cy="9144000"/>
@@ -738,7 +739,7 @@
           <a:p>
             <a:fld id="{8588FC70-2C7A-4951-B9AD-39FC0F67E4FE}" type="datetimeFigureOut">
               <a:rPr lang="de-CH" smtClean="0"/>
-              <a:t>09.05.2015</a:t>
+              <a:t>10.05.15</a:t>
             </a:fld>
             <a:endParaRPr lang="de-CH"/>
           </a:p>
@@ -934,7 +935,7 @@
           <a:p>
             <a:fld id="{8588FC70-2C7A-4951-B9AD-39FC0F67E4FE}" type="datetimeFigureOut">
               <a:rPr lang="de-CH" smtClean="0"/>
-              <a:t>09.05.2015</a:t>
+              <a:t>10.05.15</a:t>
             </a:fld>
             <a:endParaRPr lang="de-CH"/>
           </a:p>
@@ -1119,7 +1120,7 @@
           <a:p>
             <a:fld id="{8588FC70-2C7A-4951-B9AD-39FC0F67E4FE}" type="datetimeFigureOut">
               <a:rPr lang="de-CH" smtClean="0"/>
-              <a:t>09.05.2015</a:t>
+              <a:t>10.05.15</a:t>
             </a:fld>
             <a:endParaRPr lang="de-CH"/>
           </a:p>
@@ -1269,7 +1270,7 @@
           <a:p>
             <a:fld id="{8588FC70-2C7A-4951-B9AD-39FC0F67E4FE}" type="datetimeFigureOut">
               <a:rPr lang="de-CH" smtClean="0"/>
-              <a:t>09.05.2015</a:t>
+              <a:t>10.05.15</a:t>
             </a:fld>
             <a:endParaRPr lang="de-CH"/>
           </a:p>
@@ -1524,7 +1525,7 @@
           <a:p>
             <a:fld id="{8588FC70-2C7A-4951-B9AD-39FC0F67E4FE}" type="datetimeFigureOut">
               <a:rPr lang="de-CH" smtClean="0"/>
-              <a:t>09.05.2015</a:t>
+              <a:t>10.05.15</a:t>
             </a:fld>
             <a:endParaRPr lang="de-CH"/>
           </a:p>
@@ -1933,7 +1934,7 @@
           <a:p>
             <a:fld id="{8588FC70-2C7A-4951-B9AD-39FC0F67E4FE}" type="datetimeFigureOut">
               <a:rPr lang="de-CH" smtClean="0"/>
-              <a:t>09.05.2015</a:t>
+              <a:t>10.05.15</a:t>
             </a:fld>
             <a:endParaRPr lang="de-CH"/>
           </a:p>
@@ -2379,7 +2380,7 @@
           <a:p>
             <a:fld id="{8588FC70-2C7A-4951-B9AD-39FC0F67E4FE}" type="datetimeFigureOut">
               <a:rPr lang="de-CH" smtClean="0"/>
-              <a:t>09.05.2015</a:t>
+              <a:t>10.05.15</a:t>
             </a:fld>
             <a:endParaRPr lang="de-CH"/>
           </a:p>
@@ -2480,7 +2481,7 @@
           <a:p>
             <a:fld id="{8588FC70-2C7A-4951-B9AD-39FC0F67E4FE}" type="datetimeFigureOut">
               <a:rPr lang="de-CH" smtClean="0"/>
-              <a:t>09.05.2015</a:t>
+              <a:t>10.05.15</a:t>
             </a:fld>
             <a:endParaRPr lang="de-CH"/>
           </a:p>
@@ -2601,7 +2602,7 @@
           <a:p>
             <a:fld id="{8588FC70-2C7A-4951-B9AD-39FC0F67E4FE}" type="datetimeFigureOut">
               <a:rPr lang="de-CH" smtClean="0"/>
-              <a:t>09.05.2015</a:t>
+              <a:t>10.05.15</a:t>
             </a:fld>
             <a:endParaRPr lang="de-CH"/>
           </a:p>
@@ -2875,7 +2876,7 @@
           <a:p>
             <a:fld id="{8588FC70-2C7A-4951-B9AD-39FC0F67E4FE}" type="datetimeFigureOut">
               <a:rPr lang="de-CH" smtClean="0"/>
-              <a:t>09.05.2015</a:t>
+              <a:t>10.05.15</a:t>
             </a:fld>
             <a:endParaRPr lang="de-CH"/>
           </a:p>
@@ -3080,7 +3081,7 @@
           <a:p>
             <a:fld id="{8588FC70-2C7A-4951-B9AD-39FC0F67E4FE}" type="datetimeFigureOut">
               <a:rPr lang="de-CH" smtClean="0"/>
-              <a:t>09.05.2015</a:t>
+              <a:t>10.05.15</a:t>
             </a:fld>
             <a:endParaRPr lang="de-CH"/>
           </a:p>
@@ -4189,7 +4190,7 @@
           <a:p>
             <a:fld id="{8588FC70-2C7A-4951-B9AD-39FC0F67E4FE}" type="datetimeFigureOut">
               <a:rPr lang="de-CH" smtClean="0"/>
-              <a:t>09.05.2015</a:t>
+              <a:t>10.05.15</a:t>
             </a:fld>
             <a:endParaRPr lang="de-CH"/>
           </a:p>
@@ -4634,7 +4635,7 @@
             </a:r>
             <a:r>
               <a:rPr lang="de-CH" dirty="0" err="1" smtClean="0"/>
-              <a:t>A,schmid</a:t>
+              <a:t>A.Schmid</a:t>
             </a:r>
             <a:endParaRPr lang="de-CH" dirty="0"/>
           </a:p>
@@ -4801,7 +4802,7 @@
   <p:timing>
     <p:tnLst>
       <p:par>
-        <p:cTn id="1" dur="indefinite" restart="never" nodeType="tmRoot"/>
+        <p:cTn xmlns:p14="http://schemas.microsoft.com/office/powerpoint/2010/main" id="1" dur="indefinite" restart="never" nodeType="tmRoot"/>
       </p:par>
     </p:tnLst>
   </p:timing>
@@ -4882,14 +4883,14 @@
             <a:noFill/>
           </a:ln>
           <a:extLst>
-            <a:ext uri="{909E8E84-426E-40DD-AFC4-6F175D3DCCD1}">
+            <a:ext uri="{909E8E84-426E-40dd-AFC4-6F175D3DCCD1}">
               <a14:hiddenFill xmlns:a14="http://schemas.microsoft.com/office/drawing/2010/main">
                 <a:solidFill>
                   <a:schemeClr val="accent1"/>
                 </a:solidFill>
               </a14:hiddenFill>
             </a:ext>
-            <a:ext uri="{91240B29-F687-4F45-9708-019B960494DF}">
+            <a:ext uri="{91240B29-F687-4f45-9708-019B960494DF}">
               <a14:hiddenLine xmlns:a14="http://schemas.microsoft.com/office/drawing/2010/main" w="9525">
                 <a:solidFill>
                   <a:schemeClr val="tx1"/>
@@ -4936,14 +4937,14 @@
             <a:noFill/>
           </a:ln>
           <a:extLst>
-            <a:ext uri="{909E8E84-426E-40DD-AFC4-6F175D3DCCD1}">
+            <a:ext uri="{909E8E84-426E-40dd-AFC4-6F175D3DCCD1}">
               <a14:hiddenFill xmlns:a14="http://schemas.microsoft.com/office/drawing/2010/main">
                 <a:solidFill>
                   <a:schemeClr val="accent1"/>
                 </a:solidFill>
               </a14:hiddenFill>
             </a:ext>
-            <a:ext uri="{91240B29-F687-4F45-9708-019B960494DF}">
+            <a:ext uri="{91240B29-F687-4f45-9708-019B960494DF}">
               <a14:hiddenLine xmlns:a14="http://schemas.microsoft.com/office/drawing/2010/main" w="9525">
                 <a:solidFill>
                   <a:schemeClr val="tx1"/>
@@ -4998,14 +4999,14 @@
             <a:noFill/>
           </a:ln>
           <a:extLst>
-            <a:ext uri="{909E8E84-426E-40DD-AFC4-6F175D3DCCD1}">
+            <a:ext uri="{909E8E84-426E-40dd-AFC4-6F175D3DCCD1}">
               <a14:hiddenFill xmlns:a14="http://schemas.microsoft.com/office/drawing/2010/main">
                 <a:solidFill>
                   <a:schemeClr val="accent1"/>
                 </a:solidFill>
               </a14:hiddenFill>
             </a:ext>
-            <a:ext uri="{91240B29-F687-4F45-9708-019B960494DF}">
+            <a:ext uri="{91240B29-F687-4f45-9708-019B960494DF}">
               <a14:hiddenLine xmlns:a14="http://schemas.microsoft.com/office/drawing/2010/main" w="9525">
                 <a:solidFill>
                   <a:schemeClr val="tx1"/>
@@ -5031,7 +5032,7 @@
   <p:timing>
     <p:tnLst>
       <p:par>
-        <p:cTn id="1" dur="indefinite" restart="never" nodeType="tmRoot">
+        <p:cTn xmlns:p14="http://schemas.microsoft.com/office/powerpoint/2010/main" id="1" dur="indefinite" restart="never" nodeType="tmRoot">
           <p:childTnLst>
             <p:seq concurrent="1" nextAc="seek">
               <p:cTn id="2" dur="indefinite" nodeType="mainSeq">
@@ -5224,7 +5225,6 @@
               <a:rPr lang="de-CH" dirty="0" smtClean="0"/>
               <a:t>Tablets (2)</a:t>
             </a:r>
-            <a:endParaRPr lang="de-CH" dirty="0" smtClean="0"/>
           </a:p>
           <a:p>
             <a:r>
@@ -5265,7 +5265,6 @@
               <a:rPr lang="de-CH" dirty="0" smtClean="0"/>
               <a:t>Lokale Persistenz (1)</a:t>
             </a:r>
-            <a:endParaRPr lang="de-CH" dirty="0" smtClean="0"/>
           </a:p>
           <a:p>
             <a:endParaRPr lang="de-CH" dirty="0"/>
@@ -5444,15 +5443,7 @@
           <a:p>
             <a:r>
               <a:rPr lang="de-CH" dirty="0" smtClean="0"/>
-              <a:t>Fehler durch</a:t>
-            </a:r>
-            <a:r>
-              <a:rPr lang="de-CH" dirty="0" smtClean="0"/>
-              <a:t> </a:t>
-            </a:r>
-            <a:r>
-              <a:rPr lang="de-CH" dirty="0" smtClean="0"/>
-              <a:t>Bluetooth abfangen</a:t>
+              <a:t>Fehler durch Bluetooth abfangen</a:t>
             </a:r>
           </a:p>
           <a:p>
@@ -5460,7 +5451,6 @@
               <a:rPr lang="de-CH" dirty="0" smtClean="0"/>
               <a:t>Massenspeichermodus (MSC) und nicht Medienübertragungsmodus (MTP)</a:t>
             </a:r>
-            <a:endParaRPr lang="de-CH" dirty="0" smtClean="0"/>
           </a:p>
           <a:p>
             <a:pPr marL="109728" indent="0">
@@ -5478,6 +5468,25 @@
             <a:r>
               <a:rPr lang="de-CH" dirty="0" err="1" smtClean="0"/>
               <a:t>Permissions</a:t>
+            </a:r>
+            <a:endParaRPr lang="de-CH" dirty="0" smtClean="0"/>
+          </a:p>
+          <a:p>
+            <a:pPr marL="109728" indent="0">
+              <a:buNone/>
+            </a:pPr>
+            <a:endParaRPr lang="de-CH" dirty="0" smtClean="0"/>
+          </a:p>
+          <a:p>
+            <a:pPr marL="109728" indent="0">
+              <a:buNone/>
+            </a:pPr>
+            <a:endParaRPr lang="de-CH" dirty="0" smtClean="0"/>
+          </a:p>
+          <a:p>
+            <a:r>
+              <a:rPr lang="de-CH" dirty="0" smtClean="0"/>
+              <a:t>Verschiedene Hardware</a:t>
             </a:r>
             <a:endParaRPr lang="de-CH" dirty="0"/>
           </a:p>
@@ -5540,14 +5549,14 @@
             <a:noFill/>
           </a:ln>
           <a:extLst>
-            <a:ext uri="{909E8E84-426E-40DD-AFC4-6F175D3DCCD1}">
+            <a:ext uri="{909E8E84-426E-40dd-AFC4-6F175D3DCCD1}">
               <a14:hiddenFill xmlns:a14="http://schemas.microsoft.com/office/drawing/2010/main">
                 <a:solidFill>
                   <a:schemeClr val="accent1"/>
                 </a:solidFill>
               </a14:hiddenFill>
             </a:ext>
-            <a:ext uri="{91240B29-F687-4F45-9708-019B960494DF}">
+            <a:ext uri="{91240B29-F687-4f45-9708-019B960494DF}">
               <a14:hiddenLine xmlns:a14="http://schemas.microsoft.com/office/drawing/2010/main" w="9525">
                 <a:solidFill>
                   <a:schemeClr val="tx1"/>
@@ -5594,14 +5603,14 @@
             <a:noFill/>
           </a:ln>
           <a:extLst>
-            <a:ext uri="{909E8E84-426E-40DD-AFC4-6F175D3DCCD1}">
+            <a:ext uri="{909E8E84-426E-40dd-AFC4-6F175D3DCCD1}">
               <a14:hiddenFill xmlns:a14="http://schemas.microsoft.com/office/drawing/2010/main">
                 <a:solidFill>
                   <a:schemeClr val="accent1"/>
                 </a:solidFill>
               </a14:hiddenFill>
             </a:ext>
-            <a:ext uri="{91240B29-F687-4F45-9708-019B960494DF}">
+            <a:ext uri="{91240B29-F687-4f45-9708-019B960494DF}">
               <a14:hiddenLine xmlns:a14="http://schemas.microsoft.com/office/drawing/2010/main" w="9525">
                 <a:solidFill>
                   <a:schemeClr val="tx1"/>
@@ -5612,6 +5621,36 @@
               </a14:hiddenLine>
             </a:ext>
           </a:extLst>
+        </p:spPr>
+      </p:pic>
+      <p:pic>
+        <p:nvPicPr>
+          <p:cNvPr id="6" name="Bild 5" descr="Bildschirmfoto 2015-05-10 um 21.04.28.png"/>
+          <p:cNvPicPr>
+            <a:picLocks noChangeAspect="1"/>
+          </p:cNvPicPr>
+          <p:nvPr/>
+        </p:nvPicPr>
+        <p:blipFill>
+          <a:blip r:embed="rId4">
+            <a:extLst>
+              <a:ext uri="{28A0092B-C50C-407E-A947-70E740481C1C}">
+                <a14:useLocalDpi xmlns:a14="http://schemas.microsoft.com/office/drawing/2010/main" val="0"/>
+              </a:ext>
+            </a:extLst>
+          </a:blip>
+          <a:stretch>
+            <a:fillRect/>
+          </a:stretch>
+        </p:blipFill>
+        <p:spPr>
+          <a:xfrm>
+            <a:off x="827584" y="5733256"/>
+            <a:ext cx="5245100" cy="279400"/>
+          </a:xfrm>
+          <a:prstGeom prst="rect">
+            <a:avLst/>
+          </a:prstGeom>
         </p:spPr>
       </p:pic>
     </p:spTree>
@@ -5628,6 +5667,117 @@
 </file>
 
 <file path=ppt/slides/slide6.xml><?xml version="1.0" encoding="utf-8"?>
+<p:sld xmlns:a="http://schemas.openxmlformats.org/drawingml/2006/main" xmlns:r="http://schemas.openxmlformats.org/officeDocument/2006/relationships" xmlns:p="http://schemas.openxmlformats.org/presentationml/2006/main">
+  <p:cSld>
+    <p:spTree>
+      <p:nvGrpSpPr>
+        <p:cNvPr id="1" name=""/>
+        <p:cNvGrpSpPr/>
+        <p:nvPr/>
+      </p:nvGrpSpPr>
+      <p:grpSpPr>
+        <a:xfrm>
+          <a:off x="0" y="0"/>
+          <a:ext cx="0" cy="0"/>
+          <a:chOff x="0" y="0"/>
+          <a:chExt cx="0" cy="0"/>
+        </a:xfrm>
+      </p:grpSpPr>
+      <p:sp>
+        <p:nvSpPr>
+          <p:cNvPr id="3" name="Titel 2"/>
+          <p:cNvSpPr>
+            <a:spLocks noGrp="1"/>
+          </p:cNvSpPr>
+          <p:nvPr>
+            <p:ph type="title"/>
+          </p:nvPr>
+        </p:nvSpPr>
+        <p:spPr/>
+        <p:txBody>
+          <a:bodyPr/>
+          <a:lstStyle/>
+          <a:p>
+            <a:r>
+              <a:rPr lang="de-CH" dirty="0" smtClean="0"/>
+              <a:t>Multiple Screens</a:t>
+            </a:r>
+            <a:endParaRPr lang="de-DE" dirty="0"/>
+          </a:p>
+        </p:txBody>
+      </p:sp>
+      <p:pic>
+        <p:nvPicPr>
+          <p:cNvPr id="4" name="Bild 3" descr="Bildschirmfoto 2015-05-10 um 21.01.53.png"/>
+          <p:cNvPicPr>
+            <a:picLocks noChangeAspect="1"/>
+          </p:cNvPicPr>
+          <p:nvPr/>
+        </p:nvPicPr>
+        <p:blipFill>
+          <a:blip r:embed="rId2">
+            <a:extLst>
+              <a:ext uri="{28A0092B-C50C-407E-A947-70E740481C1C}">
+                <a14:useLocalDpi xmlns:a14="http://schemas.microsoft.com/office/drawing/2010/main" val="0"/>
+              </a:ext>
+            </a:extLst>
+          </a:blip>
+          <a:stretch>
+            <a:fillRect/>
+          </a:stretch>
+        </p:blipFill>
+        <p:spPr>
+          <a:xfrm>
+            <a:off x="2123728" y="2780928"/>
+            <a:ext cx="4089400" cy="2222500"/>
+          </a:xfrm>
+          <a:prstGeom prst="rect">
+            <a:avLst/>
+          </a:prstGeom>
+        </p:spPr>
+      </p:pic>
+      <p:sp>
+        <p:nvSpPr>
+          <p:cNvPr id="7" name="Inhaltsplatzhalter 1"/>
+          <p:cNvSpPr>
+            <a:spLocks noGrp="1"/>
+          </p:cNvSpPr>
+          <p:nvPr>
+            <p:ph idx="1"/>
+          </p:nvPr>
+        </p:nvSpPr>
+        <p:spPr>
+          <a:xfrm>
+            <a:off x="457200" y="1481329"/>
+            <a:ext cx="7931224" cy="3963896"/>
+          </a:xfrm>
+        </p:spPr>
+        <p:txBody>
+          <a:bodyPr/>
+          <a:lstStyle/>
+          <a:p>
+            <a:r>
+              <a:rPr lang="de-CH" dirty="0" smtClean="0"/>
+              <a:t>Einzelne Views für verschiedene Bildschirme</a:t>
+            </a:r>
+            <a:endParaRPr lang="de-CH" dirty="0"/>
+          </a:p>
+        </p:txBody>
+      </p:sp>
+    </p:spTree>
+    <p:extLst>
+      <p:ext uri="{BB962C8B-B14F-4D97-AF65-F5344CB8AC3E}">
+        <p14:creationId xmlns:p14="http://schemas.microsoft.com/office/powerpoint/2010/main" val="959197394"/>
+      </p:ext>
+    </p:extLst>
+  </p:cSld>
+  <p:clrMapOvr>
+    <a:masterClrMapping/>
+  </p:clrMapOvr>
+</p:sld>
+</file>
+
+<file path=ppt/slides/slide7.xml><?xml version="1.0" encoding="utf-8"?>
 <p:sld xmlns:a="http://schemas.openxmlformats.org/drawingml/2006/main" xmlns:r="http://schemas.openxmlformats.org/officeDocument/2006/relationships" xmlns:p="http://schemas.openxmlformats.org/presentationml/2006/main">
   <p:cSld>
     <p:spTree>
@@ -5701,14 +5851,14 @@
             <a:noFill/>
           </a:ln>
           <a:extLst>
-            <a:ext uri="{909E8E84-426E-40DD-AFC4-6F175D3DCCD1}">
+            <a:ext uri="{909E8E84-426E-40dd-AFC4-6F175D3DCCD1}">
               <a14:hiddenFill xmlns:a14="http://schemas.microsoft.com/office/drawing/2010/main">
                 <a:solidFill>
                   <a:schemeClr val="accent1"/>
                 </a:solidFill>
               </a14:hiddenFill>
             </a:ext>
-            <a:ext uri="{91240B29-F687-4F45-9708-019B960494DF}">
+            <a:ext uri="{91240B29-F687-4f45-9708-019B960494DF}">
               <a14:hiddenLine xmlns:a14="http://schemas.microsoft.com/office/drawing/2010/main" w="9525">
                 <a:solidFill>
                   <a:schemeClr val="tx1"/>
@@ -5734,7 +5884,7 @@
 </p:sld>
 </file>
 
-<file path=ppt/slides/slide7.xml><?xml version="1.0" encoding="utf-8"?>
+<file path=ppt/slides/slide8.xml><?xml version="1.0" encoding="utf-8"?>
 <p:sld xmlns:a="http://schemas.openxmlformats.org/drawingml/2006/main" xmlns:r="http://schemas.openxmlformats.org/officeDocument/2006/relationships" xmlns:p="http://schemas.openxmlformats.org/presentationml/2006/main">
   <p:cSld>
     <p:spTree>
@@ -5805,7 +5955,7 @@
           </a:prstGeom>
           <a:noFill/>
           <a:extLst>
-            <a:ext uri="{909E8E84-426E-40DD-AFC4-6F175D3DCCD1}">
+            <a:ext uri="{909E8E84-426E-40dd-AFC4-6F175D3DCCD1}">
               <a14:hiddenFill xmlns:a14="http://schemas.microsoft.com/office/drawing/2010/main">
                 <a:solidFill>
                   <a:srgbClr val="FFFFFF"/>
